--- a/COVID-19-gini.pptx
+++ b/COVID-19-gini.pptx
@@ -13348,7 +13348,7 @@
   <dgm:whole/>
   <dgm:extLst>
     <a:ext uri="http://schemas.microsoft.com/office/drawing/2008/diagram">
-      <dsp:dataModelExt xmlns:dsp="http://schemas.microsoft.com/office/drawing/2008/diagram" relId="rId6" minVer="http://schemas.openxmlformats.org/drawingml/2006/diagram"/>
+      <dsp:dataModelExt xmlns:dsp="http://schemas.microsoft.com/office/drawing/2008/diagram" relId="rId7" minVer="http://schemas.openxmlformats.org/drawingml/2006/diagram"/>
     </a:ext>
   </dgm:extLst>
 </dgm:dataModel>
@@ -13783,7 +13783,7 @@
   <dgm:whole/>
   <dgm:extLst>
     <a:ext uri="http://schemas.microsoft.com/office/drawing/2008/diagram">
-      <dsp:dataModelExt xmlns:dsp="http://schemas.microsoft.com/office/drawing/2008/diagram" relId="rId6" minVer="http://schemas.openxmlformats.org/drawingml/2006/diagram"/>
+      <dsp:dataModelExt xmlns:dsp="http://schemas.microsoft.com/office/drawing/2008/diagram" relId="rId7" minVer="http://schemas.openxmlformats.org/drawingml/2006/diagram"/>
     </a:ext>
   </dgm:extLst>
 </dgm:dataModel>
@@ -38545,7 +38545,7 @@
           <a:p>
             <a:fld id="{9395819E-5913-4994-A6BE-75BC60B0C422}" type="datetimeFigureOut">
               <a:rPr lang="en-US" smtClean="0"/>
-              <a:t>3/18/2020</a:t>
+              <a:t>3/19/2020</a:t>
             </a:fld>
             <a:endParaRPr lang="en-US"/>
           </a:p>
@@ -39038,7 +39038,7 @@
           <a:p>
             <a:fld id="{48A87A34-81AB-432B-8DAE-1953F412C126}" type="datetimeFigureOut">
               <a:rPr lang="en-US" smtClean="0"/>
-              <a:t>3/18/2020</a:t>
+              <a:t>3/19/2020</a:t>
             </a:fld>
             <a:endParaRPr lang="en-US" dirty="0"/>
           </a:p>
@@ -39251,7 +39251,7 @@
           <a:p>
             <a:fld id="{48A87A34-81AB-432B-8DAE-1953F412C126}" type="datetimeFigureOut">
               <a:rPr lang="en-US" smtClean="0"/>
-              <a:t>3/18/2020</a:t>
+              <a:t>3/19/2020</a:t>
             </a:fld>
             <a:endParaRPr lang="en-US" dirty="0"/>
           </a:p>
@@ -39508,7 +39508,7 @@
             <a:fld id="{48A87A34-81AB-432B-8DAE-1953F412C126}" type="datetimeFigureOut">
               <a:rPr lang="en-US" smtClean="0"/>
               <a:pPr/>
-              <a:t>3/18/2020</a:t>
+              <a:t>3/19/2020</a:t>
             </a:fld>
             <a:endParaRPr lang="en-US" dirty="0"/>
           </a:p>
@@ -39687,7 +39687,7 @@
           <a:p>
             <a:fld id="{48A87A34-81AB-432B-8DAE-1953F412C126}" type="datetimeFigureOut">
               <a:rPr lang="en-US" smtClean="0"/>
-              <a:t>3/18/2020</a:t>
+              <a:t>3/19/2020</a:t>
             </a:fld>
             <a:endParaRPr lang="en-US" dirty="0"/>
           </a:p>
@@ -40031,7 +40031,7 @@
             <a:fld id="{48A87A34-81AB-432B-8DAE-1953F412C126}" type="datetimeFigureOut">
               <a:rPr lang="en-US" smtClean="0"/>
               <a:pPr/>
-              <a:t>3/18/2020</a:t>
+              <a:t>3/19/2020</a:t>
             </a:fld>
             <a:endParaRPr lang="en-US" dirty="0"/>
           </a:p>
@@ -40311,7 +40311,7 @@
           <a:p>
             <a:fld id="{48A87A34-81AB-432B-8DAE-1953F412C126}" type="datetimeFigureOut">
               <a:rPr lang="en-US" smtClean="0"/>
-              <a:t>3/18/2020</a:t>
+              <a:t>3/19/2020</a:t>
             </a:fld>
             <a:endParaRPr lang="en-US" dirty="0"/>
           </a:p>
@@ -40690,7 +40690,7 @@
           <a:p>
             <a:fld id="{48A87A34-81AB-432B-8DAE-1953F412C126}" type="datetimeFigureOut">
               <a:rPr lang="en-US" smtClean="0"/>
-              <a:t>3/18/2020</a:t>
+              <a:t>3/19/2020</a:t>
             </a:fld>
             <a:endParaRPr lang="en-US" dirty="0"/>
           </a:p>
@@ -40808,7 +40808,7 @@
           <a:p>
             <a:fld id="{48A87A34-81AB-432B-8DAE-1953F412C126}" type="datetimeFigureOut">
               <a:rPr lang="en-US" smtClean="0"/>
-              <a:t>3/18/2020</a:t>
+              <a:t>3/19/2020</a:t>
             </a:fld>
             <a:endParaRPr lang="en-US" dirty="0"/>
           </a:p>
@@ -40979,7 +40979,7 @@
           <a:p>
             <a:fld id="{48A87A34-81AB-432B-8DAE-1953F412C126}" type="datetimeFigureOut">
               <a:rPr lang="en-US" smtClean="0"/>
-              <a:t>3/18/2020</a:t>
+              <a:t>3/19/2020</a:t>
             </a:fld>
             <a:endParaRPr lang="en-US" dirty="0"/>
           </a:p>
@@ -41333,7 +41333,7 @@
           <a:p>
             <a:fld id="{48A87A34-81AB-432B-8DAE-1953F412C126}" type="datetimeFigureOut">
               <a:rPr lang="en-US" smtClean="0"/>
-              <a:t>3/18/2020</a:t>
+              <a:t>3/19/2020</a:t>
             </a:fld>
             <a:endParaRPr lang="en-US" dirty="0"/>
           </a:p>
@@ -41715,7 +41715,7 @@
           <a:p>
             <a:fld id="{48A87A34-81AB-432B-8DAE-1953F412C126}" type="datetimeFigureOut">
               <a:rPr lang="en-US" smtClean="0"/>
-              <a:t>3/18/2020</a:t>
+              <a:t>3/19/2020</a:t>
             </a:fld>
             <a:endParaRPr lang="en-US" dirty="0"/>
           </a:p>
@@ -42003,7 +42003,7 @@
             <a:fld id="{48A87A34-81AB-432B-8DAE-1953F412C126}" type="datetimeFigureOut">
               <a:rPr lang="en-US" smtClean="0"/>
               <a:pPr/>
-              <a:t>3/18/2020</a:t>
+              <a:t>3/19/2020</a:t>
             </a:fld>
             <a:endParaRPr lang="en-US" dirty="0"/>
           </a:p>
@@ -42557,12 +42557,8 @@
           <a:p>
             <a:pPr algn="ctr"/>
             <a:r>
-              <a:rPr lang="en-US" sz="4400" dirty="0" err="1"/>
-              <a:t>Covid</a:t>
-            </a:r>
-            <a:r>
               <a:rPr lang="en-US" sz="4400" dirty="0"/>
-              <a:t> – 19</a:t>
+              <a:t>COVID-19</a:t>
             </a:r>
           </a:p>
         </p:txBody>
@@ -42795,7 +42791,15 @@
           <a:p>
             <a:r>
               <a:rPr lang="en-US" sz="2400" dirty="0"/>
-              <a:t>Norman Gwinn | </a:t>
+              <a:t>Gini </a:t>
+            </a:r>
+            <a:r>
+              <a:rPr lang="en-US" sz="2400" dirty="0" err="1"/>
+              <a:t>Arimbi</a:t>
+            </a:r>
+            <a:r>
+              <a:rPr lang="en-US" sz="2400" dirty="0"/>
+              <a:t> | </a:t>
             </a:r>
             <a:r>
               <a:rPr lang="en-US" sz="2400" dirty="0" err="1"/>
@@ -42803,7 +42807,7 @@
             </a:r>
             <a:r>
               <a:rPr lang="en-US" sz="2400" dirty="0"/>
-              <a:t> Duke | Michael </a:t>
+              <a:t> Duke | Norman Gwinn| Michael </a:t>
             </a:r>
             <a:r>
               <a:rPr lang="en-US" sz="2400" dirty="0" err="1"/>
@@ -42811,7 +42815,7 @@
             </a:r>
             <a:r>
               <a:rPr lang="en-US" sz="2400" dirty="0"/>
-              <a:t> | Gini Arimbi</a:t>
+              <a:t> </a:t>
             </a:r>
           </a:p>
         </p:txBody>
@@ -44746,7 +44750,7 @@
           <a:p>
             <a:r>
               <a:rPr lang="en-US" sz="2400" dirty="0"/>
-              <a:t>Different health care facility</a:t>
+              <a:t>Different health care capabilities</a:t>
             </a:r>
           </a:p>
           <a:p>
@@ -44755,7 +44759,7 @@
           <a:p>
             <a:r>
               <a:rPr lang="en-US" sz="2400" dirty="0"/>
-              <a:t>To check the health care preparedness for US states</a:t>
+              <a:t>Preparedness for US states</a:t>
             </a:r>
           </a:p>
         </p:txBody>
@@ -45251,36 +45255,35 @@
           </a:p>
         </p:txBody>
       </p:sp>
-      <p:sp>
-        <p:nvSpPr>
-          <p:cNvPr id="3" name="Content Placeholder 2">
+      <p:pic>
+        <p:nvPicPr>
+          <p:cNvPr id="6" name="Content Placeholder 5" descr="A close up of a map&#10;&#10;Description automatically generated">
             <a:extLst>
               <a:ext uri="{FF2B5EF4-FFF2-40B4-BE49-F238E27FC236}">
-                <a16:creationId xmlns:a16="http://schemas.microsoft.com/office/drawing/2014/main" id="{2C027839-FBED-4373-9E00-67E0FB6AB1B4}"/>
+                <a16:creationId xmlns:a16="http://schemas.microsoft.com/office/drawing/2014/main" id="{2B903A7F-2A0F-44D5-8EDC-E8E1947104D6}"/>
               </a:ext>
             </a:extLst>
           </p:cNvPr>
-          <p:cNvSpPr>
-            <a:spLocks noGrp="1"/>
-          </p:cNvSpPr>
+          <p:cNvPicPr>
+            <a:picLocks noGrp="1" noChangeAspect="1"/>
+          </p:cNvPicPr>
           <p:nvPr>
             <p:ph idx="1"/>
           </p:nvPr>
-        </p:nvSpPr>
+        </p:nvPicPr>
+        <p:blipFill>
+          <a:blip r:embed="rId2"/>
+          <a:stretch>
+            <a:fillRect/>
+          </a:stretch>
+        </p:blipFill>
         <p:spPr>
           <a:xfrm>
-            <a:off x="685800" y="1942499"/>
-            <a:ext cx="10820400" cy="4024125"/>
+            <a:off x="3010260" y="1920518"/>
+            <a:ext cx="6707188" cy="4024313"/>
           </a:xfrm>
         </p:spPr>
-        <p:txBody>
-          <a:bodyPr/>
-          <a:lstStyle/>
-          <a:p>
-            <a:endParaRPr lang="en-US" dirty="0"/>
-          </a:p>
-        </p:txBody>
-      </p:sp>
+      </p:pic>
       <p:graphicFrame>
         <p:nvGraphicFramePr>
           <p:cNvPr id="4" name="Diagram 3">
@@ -45305,7 +45308,7 @@
         </p:xfrm>
         <a:graphic>
           <a:graphicData uri="http://schemas.openxmlformats.org/drawingml/2006/diagram">
-            <dgm:relIds xmlns:dgm="http://schemas.openxmlformats.org/drawingml/2006/diagram" xmlns:r="http://schemas.openxmlformats.org/officeDocument/2006/relationships" r:dm="rId2" r:lo="rId3" r:qs="rId4" r:cs="rId5"/>
+            <dgm:relIds xmlns:dgm="http://schemas.openxmlformats.org/drawingml/2006/diagram" xmlns:r="http://schemas.openxmlformats.org/officeDocument/2006/relationships" r:dm="rId3" r:lo="rId4" r:qs="rId5" r:cs="rId6"/>
           </a:graphicData>
         </a:graphic>
       </p:graphicFrame>
@@ -45369,31 +45372,35 @@
           </a:p>
         </p:txBody>
       </p:sp>
-      <p:sp>
-        <p:nvSpPr>
-          <p:cNvPr id="3" name="Content Placeholder 2">
+      <p:pic>
+        <p:nvPicPr>
+          <p:cNvPr id="6" name="Content Placeholder 5" descr="A close up of a map&#10;&#10;Description automatically generated">
             <a:extLst>
               <a:ext uri="{FF2B5EF4-FFF2-40B4-BE49-F238E27FC236}">
-                <a16:creationId xmlns:a16="http://schemas.microsoft.com/office/drawing/2014/main" id="{175383A1-B82F-4069-AB75-4CFF92727E3F}"/>
+                <a16:creationId xmlns:a16="http://schemas.microsoft.com/office/drawing/2014/main" id="{5C6D6FD1-796C-4E28-91E0-5E4AED27F71A}"/>
               </a:ext>
             </a:extLst>
           </p:cNvPr>
-          <p:cNvSpPr>
-            <a:spLocks noGrp="1"/>
-          </p:cNvSpPr>
+          <p:cNvPicPr>
+            <a:picLocks noGrp="1" noChangeAspect="1"/>
+          </p:cNvPicPr>
           <p:nvPr>
             <p:ph idx="1"/>
           </p:nvPr>
-        </p:nvSpPr>
-        <p:spPr/>
-        <p:txBody>
-          <a:bodyPr/>
-          <a:lstStyle/>
-          <a:p>
-            <a:endParaRPr lang="en-US"/>
-          </a:p>
-        </p:txBody>
-      </p:sp>
+        </p:nvPicPr>
+        <p:blipFill>
+          <a:blip r:embed="rId2"/>
+          <a:stretch>
+            <a:fillRect/>
+          </a:stretch>
+        </p:blipFill>
+        <p:spPr>
+          <a:xfrm>
+            <a:off x="2773892" y="1846263"/>
+            <a:ext cx="6704542" cy="4022725"/>
+          </a:xfrm>
+        </p:spPr>
+      </p:pic>
       <p:graphicFrame>
         <p:nvGraphicFramePr>
           <p:cNvPr id="4" name="Diagram 3">
@@ -45418,7 +45425,7 @@
         </p:xfrm>
         <a:graphic>
           <a:graphicData uri="http://schemas.openxmlformats.org/drawingml/2006/diagram">
-            <dgm:relIds xmlns:dgm="http://schemas.openxmlformats.org/drawingml/2006/diagram" xmlns:r="http://schemas.openxmlformats.org/officeDocument/2006/relationships" r:dm="rId2" r:lo="rId3" r:qs="rId4" r:cs="rId5"/>
+            <dgm:relIds xmlns:dgm="http://schemas.openxmlformats.org/drawingml/2006/diagram" xmlns:r="http://schemas.openxmlformats.org/officeDocument/2006/relationships" r:dm="rId3" r:lo="rId4" r:qs="rId5" r:cs="rId6"/>
           </a:graphicData>
         </a:graphic>
       </p:graphicFrame>

--- a/COVID-19-gini.pptx
+++ b/COVID-19-gini.pptx
@@ -10273,7 +10273,7 @@
   <dgm:whole/>
   <dgm:extLst>
     <a:ext uri="http://schemas.microsoft.com/office/drawing/2008/diagram">
-      <dsp:dataModelExt xmlns:dsp="http://schemas.microsoft.com/office/drawing/2008/diagram" relId="rId6" minVer="http://schemas.openxmlformats.org/drawingml/2006/diagram"/>
+      <dsp:dataModelExt xmlns:dsp="http://schemas.microsoft.com/office/drawing/2008/diagram" relId="rId7" minVer="http://schemas.openxmlformats.org/drawingml/2006/diagram"/>
     </a:ext>
   </dgm:extLst>
 </dgm:dataModel>
@@ -12446,7 +12446,7 @@
   <dgm:whole/>
   <dgm:extLst>
     <a:ext uri="http://schemas.microsoft.com/office/drawing/2008/diagram">
-      <dsp:dataModelExt xmlns:dsp="http://schemas.microsoft.com/office/drawing/2008/diagram" relId="rId6" minVer="http://schemas.openxmlformats.org/drawingml/2006/diagram"/>
+      <dsp:dataModelExt xmlns:dsp="http://schemas.microsoft.com/office/drawing/2008/diagram" relId="rId7" minVer="http://schemas.openxmlformats.org/drawingml/2006/diagram"/>
     </a:ext>
   </dgm:extLst>
 </dgm:dataModel>
@@ -12913,7 +12913,7 @@
   <dgm:whole/>
   <dgm:extLst>
     <a:ext uri="http://schemas.microsoft.com/office/drawing/2008/diagram">
-      <dsp:dataModelExt xmlns:dsp="http://schemas.microsoft.com/office/drawing/2008/diagram" relId="rId6" minVer="http://schemas.openxmlformats.org/drawingml/2006/diagram"/>
+      <dsp:dataModelExt xmlns:dsp="http://schemas.microsoft.com/office/drawing/2008/diagram" relId="rId7" minVer="http://schemas.openxmlformats.org/drawingml/2006/diagram"/>
     </a:ext>
   </dgm:extLst>
 </dgm:dataModel>
@@ -14218,7 +14218,7 @@
   <dgm:whole/>
   <dgm:extLst>
     <a:ext uri="http://schemas.microsoft.com/office/drawing/2008/diagram">
-      <dsp:dataModelExt xmlns:dsp="http://schemas.microsoft.com/office/drawing/2008/diagram" relId="rId6" minVer="http://schemas.openxmlformats.org/drawingml/2006/diagram"/>
+      <dsp:dataModelExt xmlns:dsp="http://schemas.microsoft.com/office/drawing/2008/diagram" relId="rId7" minVer="http://schemas.openxmlformats.org/drawingml/2006/diagram"/>
     </a:ext>
   </dgm:extLst>
 </dgm:dataModel>
@@ -15523,7 +15523,7 @@
   <dgm:whole/>
   <dgm:extLst>
     <a:ext uri="http://schemas.microsoft.com/office/drawing/2008/diagram">
-      <dsp:dataModelExt xmlns:dsp="http://schemas.microsoft.com/office/drawing/2008/diagram" relId="rId6" minVer="http://schemas.openxmlformats.org/drawingml/2006/diagram"/>
+      <dsp:dataModelExt xmlns:dsp="http://schemas.microsoft.com/office/drawing/2008/diagram" relId="rId7" minVer="http://schemas.openxmlformats.org/drawingml/2006/diagram"/>
     </a:ext>
   </dgm:extLst>
 </dgm:dataModel>
@@ -38545,7 +38545,7 @@
           <a:p>
             <a:fld id="{9395819E-5913-4994-A6BE-75BC60B0C422}" type="datetimeFigureOut">
               <a:rPr lang="en-US" smtClean="0"/>
-              <a:t>3/19/2020</a:t>
+              <a:t>3/18/2020</a:t>
             </a:fld>
             <a:endParaRPr lang="en-US"/>
           </a:p>
@@ -38812,6 +38812,677 @@
 </p:notesMaster>
 </file>
 
+<file path=ppt/notesSlides/notesSlide1.xml><?xml version="1.0" encoding="utf-8"?>
+<p:notes xmlns:a="http://schemas.openxmlformats.org/drawingml/2006/main" xmlns:r="http://schemas.openxmlformats.org/officeDocument/2006/relationships" xmlns:p="http://schemas.openxmlformats.org/presentationml/2006/main">
+  <p:cSld>
+    <p:spTree>
+      <p:nvGrpSpPr>
+        <p:cNvPr id="1" name=""/>
+        <p:cNvGrpSpPr/>
+        <p:nvPr/>
+      </p:nvGrpSpPr>
+      <p:grpSpPr>
+        <a:xfrm>
+          <a:off x="0" y="0"/>
+          <a:ext cx="0" cy="0"/>
+          <a:chOff x="0" y="0"/>
+          <a:chExt cx="0" cy="0"/>
+        </a:xfrm>
+      </p:grpSpPr>
+      <p:sp>
+        <p:nvSpPr>
+          <p:cNvPr id="2" name="Slide Image Placeholder 1"/>
+          <p:cNvSpPr>
+            <a:spLocks noGrp="1" noRot="1" noChangeAspect="1"/>
+          </p:cNvSpPr>
+          <p:nvPr>
+            <p:ph type="sldImg"/>
+          </p:nvPr>
+        </p:nvSpPr>
+        <p:spPr/>
+      </p:sp>
+      <p:sp>
+        <p:nvSpPr>
+          <p:cNvPr id="3" name="Notes Placeholder 2"/>
+          <p:cNvSpPr>
+            <a:spLocks noGrp="1"/>
+          </p:cNvSpPr>
+          <p:nvPr>
+            <p:ph type="body" idx="1"/>
+          </p:nvPr>
+        </p:nvSpPr>
+        <p:spPr/>
+        <p:txBody>
+          <a:bodyPr/>
+          <a:lstStyle/>
+          <a:p>
+            <a:r>
+              <a:rPr lang="en-US" dirty="0"/>
+              <a:t>-The world has experience multiple pandemics throughout its history. The recent one is COVID 19</a:t>
+            </a:r>
+          </a:p>
+          <a:p>
+            <a:r>
+              <a:rPr lang="en-US" dirty="0"/>
+              <a:t>-Starting of early this year, it started in Wuhan and China. 3 months later, no one  have predicted that it reaches almost all countries </a:t>
+            </a:r>
+          </a:p>
+          <a:p>
+            <a:r>
+              <a:rPr lang="en-US" dirty="0"/>
+              <a:t>-Every country is affected, but every country has different preparedness for this pandemic. One of the most crucial criteria is the healthcare facility</a:t>
+            </a:r>
+          </a:p>
+          <a:p>
+            <a:r>
+              <a:rPr lang="en-US" dirty="0"/>
+              <a:t>-That’s why our group want to investigate which states in US will be most vulnerable </a:t>
+            </a:r>
+          </a:p>
+        </p:txBody>
+      </p:sp>
+      <p:sp>
+        <p:nvSpPr>
+          <p:cNvPr id="4" name="Slide Number Placeholder 3"/>
+          <p:cNvSpPr>
+            <a:spLocks noGrp="1"/>
+          </p:cNvSpPr>
+          <p:nvPr>
+            <p:ph type="sldNum" sz="quarter" idx="5"/>
+          </p:nvPr>
+        </p:nvSpPr>
+        <p:spPr/>
+        <p:txBody>
+          <a:bodyPr/>
+          <a:lstStyle/>
+          <a:p>
+            <a:fld id="{B725DBE3-AA4C-44C3-BEF0-DBCC4EC701C5}" type="slidenum">
+              <a:rPr lang="en-US" smtClean="0"/>
+              <a:t>3</a:t>
+            </a:fld>
+            <a:endParaRPr lang="en-US"/>
+          </a:p>
+        </p:txBody>
+      </p:sp>
+    </p:spTree>
+    <p:extLst>
+      <p:ext uri="{BB962C8B-B14F-4D97-AF65-F5344CB8AC3E}">
+        <p14:creationId xmlns:p14="http://schemas.microsoft.com/office/powerpoint/2010/main" val="396781204"/>
+      </p:ext>
+    </p:extLst>
+  </p:cSld>
+  <p:clrMapOvr>
+    <a:masterClrMapping/>
+  </p:clrMapOvr>
+</p:notes>
+</file>
+
+<file path=ppt/notesSlides/notesSlide2.xml><?xml version="1.0" encoding="utf-8"?>
+<p:notes xmlns:a="http://schemas.openxmlformats.org/drawingml/2006/main" xmlns:r="http://schemas.openxmlformats.org/officeDocument/2006/relationships" xmlns:p="http://schemas.openxmlformats.org/presentationml/2006/main">
+  <p:cSld>
+    <p:spTree>
+      <p:nvGrpSpPr>
+        <p:cNvPr id="1" name=""/>
+        <p:cNvGrpSpPr/>
+        <p:nvPr/>
+      </p:nvGrpSpPr>
+      <p:grpSpPr>
+        <a:xfrm>
+          <a:off x="0" y="0"/>
+          <a:ext cx="0" cy="0"/>
+          <a:chOff x="0" y="0"/>
+          <a:chExt cx="0" cy="0"/>
+        </a:xfrm>
+      </p:grpSpPr>
+      <p:sp>
+        <p:nvSpPr>
+          <p:cNvPr id="2" name="Slide Image Placeholder 1"/>
+          <p:cNvSpPr>
+            <a:spLocks noGrp="1" noRot="1" noChangeAspect="1"/>
+          </p:cNvSpPr>
+          <p:nvPr>
+            <p:ph type="sldImg"/>
+          </p:nvPr>
+        </p:nvSpPr>
+        <p:spPr/>
+      </p:sp>
+      <p:sp>
+        <p:nvSpPr>
+          <p:cNvPr id="3" name="Notes Placeholder 2"/>
+          <p:cNvSpPr>
+            <a:spLocks noGrp="1"/>
+          </p:cNvSpPr>
+          <p:nvPr>
+            <p:ph type="body" idx="1"/>
+          </p:nvPr>
+        </p:nvSpPr>
+        <p:spPr/>
+        <p:txBody>
+          <a:bodyPr/>
+          <a:lstStyle/>
+          <a:p>
+            <a:endParaRPr lang="en-US" dirty="0"/>
+          </a:p>
+        </p:txBody>
+      </p:sp>
+      <p:sp>
+        <p:nvSpPr>
+          <p:cNvPr id="4" name="Slide Number Placeholder 3"/>
+          <p:cNvSpPr>
+            <a:spLocks noGrp="1"/>
+          </p:cNvSpPr>
+          <p:nvPr>
+            <p:ph type="sldNum" sz="quarter" idx="5"/>
+          </p:nvPr>
+        </p:nvSpPr>
+        <p:spPr/>
+        <p:txBody>
+          <a:bodyPr/>
+          <a:lstStyle/>
+          <a:p>
+            <a:fld id="{B725DBE3-AA4C-44C3-BEF0-DBCC4EC701C5}" type="slidenum">
+              <a:rPr lang="en-US" smtClean="0"/>
+              <a:t>4</a:t>
+            </a:fld>
+            <a:endParaRPr lang="en-US"/>
+          </a:p>
+        </p:txBody>
+      </p:sp>
+    </p:spTree>
+    <p:extLst>
+      <p:ext uri="{BB962C8B-B14F-4D97-AF65-F5344CB8AC3E}">
+        <p14:creationId xmlns:p14="http://schemas.microsoft.com/office/powerpoint/2010/main" val="4141674246"/>
+      </p:ext>
+    </p:extLst>
+  </p:cSld>
+  <p:clrMapOvr>
+    <a:masterClrMapping/>
+  </p:clrMapOvr>
+</p:notes>
+</file>
+
+<file path=ppt/notesSlides/notesSlide3.xml><?xml version="1.0" encoding="utf-8"?>
+<p:notes xmlns:a="http://schemas.openxmlformats.org/drawingml/2006/main" xmlns:r="http://schemas.openxmlformats.org/officeDocument/2006/relationships" xmlns:p="http://schemas.openxmlformats.org/presentationml/2006/main">
+  <p:cSld>
+    <p:spTree>
+      <p:nvGrpSpPr>
+        <p:cNvPr id="1" name=""/>
+        <p:cNvGrpSpPr/>
+        <p:nvPr/>
+      </p:nvGrpSpPr>
+      <p:grpSpPr>
+        <a:xfrm>
+          <a:off x="0" y="0"/>
+          <a:ext cx="0" cy="0"/>
+          <a:chOff x="0" y="0"/>
+          <a:chExt cx="0" cy="0"/>
+        </a:xfrm>
+      </p:grpSpPr>
+      <p:sp>
+        <p:nvSpPr>
+          <p:cNvPr id="2" name="Slide Image Placeholder 1"/>
+          <p:cNvSpPr>
+            <a:spLocks noGrp="1" noRot="1" noChangeAspect="1"/>
+          </p:cNvSpPr>
+          <p:nvPr>
+            <p:ph type="sldImg"/>
+          </p:nvPr>
+        </p:nvSpPr>
+        <p:spPr/>
+      </p:sp>
+      <p:sp>
+        <p:nvSpPr>
+          <p:cNvPr id="3" name="Notes Placeholder 2"/>
+          <p:cNvSpPr>
+            <a:spLocks noGrp="1"/>
+          </p:cNvSpPr>
+          <p:nvPr>
+            <p:ph type="body" idx="1"/>
+          </p:nvPr>
+        </p:nvSpPr>
+        <p:spPr/>
+        <p:txBody>
+          <a:bodyPr/>
+          <a:lstStyle/>
+          <a:p>
+            <a:r>
+              <a:rPr lang="en-US" dirty="0"/>
+              <a:t>-We use source data from </a:t>
+            </a:r>
+            <a:r>
+              <a:rPr lang="en-US" dirty="0" err="1"/>
+              <a:t>worldometer</a:t>
+            </a:r>
+            <a:r>
+              <a:rPr lang="en-US" dirty="0"/>
+              <a:t>, World Bank, John Hopkins University</a:t>
+            </a:r>
+          </a:p>
+          <a:p>
+            <a:r>
+              <a:rPr lang="en-US" dirty="0"/>
+              <a:t>-From this data source, we use to plot several graphs to see different relationships and to predict the growth rate</a:t>
+            </a:r>
+          </a:p>
+          <a:p>
+            <a:r>
+              <a:rPr lang="en-US" dirty="0"/>
+              <a:t>-From there, we derive our analysis and conclusion </a:t>
+            </a:r>
+          </a:p>
+        </p:txBody>
+      </p:sp>
+      <p:sp>
+        <p:nvSpPr>
+          <p:cNvPr id="4" name="Slide Number Placeholder 3"/>
+          <p:cNvSpPr>
+            <a:spLocks noGrp="1"/>
+          </p:cNvSpPr>
+          <p:nvPr>
+            <p:ph type="sldNum" sz="quarter" idx="5"/>
+          </p:nvPr>
+        </p:nvSpPr>
+        <p:spPr/>
+        <p:txBody>
+          <a:bodyPr/>
+          <a:lstStyle/>
+          <a:p>
+            <a:fld id="{B725DBE3-AA4C-44C3-BEF0-DBCC4EC701C5}" type="slidenum">
+              <a:rPr lang="en-US" smtClean="0"/>
+              <a:t>5</a:t>
+            </a:fld>
+            <a:endParaRPr lang="en-US"/>
+          </a:p>
+        </p:txBody>
+      </p:sp>
+    </p:spTree>
+    <p:extLst>
+      <p:ext uri="{BB962C8B-B14F-4D97-AF65-F5344CB8AC3E}">
+        <p14:creationId xmlns:p14="http://schemas.microsoft.com/office/powerpoint/2010/main" val="3343680290"/>
+      </p:ext>
+    </p:extLst>
+  </p:cSld>
+  <p:clrMapOvr>
+    <a:masterClrMapping/>
+  </p:clrMapOvr>
+</p:notes>
+</file>
+
+<file path=ppt/notesSlides/notesSlide4.xml><?xml version="1.0" encoding="utf-8"?>
+<p:notes xmlns:a="http://schemas.openxmlformats.org/drawingml/2006/main" xmlns:r="http://schemas.openxmlformats.org/officeDocument/2006/relationships" xmlns:p="http://schemas.openxmlformats.org/presentationml/2006/main">
+  <p:cSld>
+    <p:spTree>
+      <p:nvGrpSpPr>
+        <p:cNvPr id="1" name=""/>
+        <p:cNvGrpSpPr/>
+        <p:nvPr/>
+      </p:nvGrpSpPr>
+      <p:grpSpPr>
+        <a:xfrm>
+          <a:off x="0" y="0"/>
+          <a:ext cx="0" cy="0"/>
+          <a:chOff x="0" y="0"/>
+          <a:chExt cx="0" cy="0"/>
+        </a:xfrm>
+      </p:grpSpPr>
+      <p:sp>
+        <p:nvSpPr>
+          <p:cNvPr id="2" name="Slide Image Placeholder 1"/>
+          <p:cNvSpPr>
+            <a:spLocks noGrp="1" noRot="1" noChangeAspect="1"/>
+          </p:cNvSpPr>
+          <p:nvPr>
+            <p:ph type="sldImg"/>
+          </p:nvPr>
+        </p:nvSpPr>
+        <p:spPr/>
+      </p:sp>
+      <p:sp>
+        <p:nvSpPr>
+          <p:cNvPr id="3" name="Notes Placeholder 2"/>
+          <p:cNvSpPr>
+            <a:spLocks noGrp="1"/>
+          </p:cNvSpPr>
+          <p:nvPr>
+            <p:ph type="body" idx="1"/>
+          </p:nvPr>
+        </p:nvSpPr>
+        <p:spPr/>
+        <p:txBody>
+          <a:bodyPr/>
+          <a:lstStyle/>
+          <a:p>
+            <a:endParaRPr lang="en-US" dirty="0"/>
+          </a:p>
+          <a:p>
+            <a:r>
+              <a:rPr lang="en-US" dirty="0"/>
+              <a:t>Explain x, y axis </a:t>
+            </a:r>
+          </a:p>
+          <a:p>
+            <a:r>
+              <a:rPr lang="en-US" dirty="0"/>
+              <a:t>Blue is the plot of actual data set </a:t>
+            </a:r>
+          </a:p>
+          <a:p>
+            <a:r>
+              <a:rPr lang="en-US" dirty="0"/>
+              <a:t>Orange is for the exponential growth</a:t>
+            </a:r>
+          </a:p>
+        </p:txBody>
+      </p:sp>
+      <p:sp>
+        <p:nvSpPr>
+          <p:cNvPr id="4" name="Slide Number Placeholder 3"/>
+          <p:cNvSpPr>
+            <a:spLocks noGrp="1"/>
+          </p:cNvSpPr>
+          <p:nvPr>
+            <p:ph type="sldNum" sz="quarter" idx="5"/>
+          </p:nvPr>
+        </p:nvSpPr>
+        <p:spPr/>
+        <p:txBody>
+          <a:bodyPr/>
+          <a:lstStyle/>
+          <a:p>
+            <a:fld id="{B725DBE3-AA4C-44C3-BEF0-DBCC4EC701C5}" type="slidenum">
+              <a:rPr lang="en-US" smtClean="0"/>
+              <a:t>6</a:t>
+            </a:fld>
+            <a:endParaRPr lang="en-US"/>
+          </a:p>
+        </p:txBody>
+      </p:sp>
+    </p:spTree>
+    <p:extLst>
+      <p:ext uri="{BB962C8B-B14F-4D97-AF65-F5344CB8AC3E}">
+        <p14:creationId xmlns:p14="http://schemas.microsoft.com/office/powerpoint/2010/main" val="2432694011"/>
+      </p:ext>
+    </p:extLst>
+  </p:cSld>
+  <p:clrMapOvr>
+    <a:masterClrMapping/>
+  </p:clrMapOvr>
+</p:notes>
+</file>
+
+<file path=ppt/notesSlides/notesSlide5.xml><?xml version="1.0" encoding="utf-8"?>
+<p:notes xmlns:a="http://schemas.openxmlformats.org/drawingml/2006/main" xmlns:r="http://schemas.openxmlformats.org/officeDocument/2006/relationships" xmlns:p="http://schemas.openxmlformats.org/presentationml/2006/main">
+  <p:cSld>
+    <p:spTree>
+      <p:nvGrpSpPr>
+        <p:cNvPr id="1" name=""/>
+        <p:cNvGrpSpPr/>
+        <p:nvPr/>
+      </p:nvGrpSpPr>
+      <p:grpSpPr>
+        <a:xfrm>
+          <a:off x="0" y="0"/>
+          <a:ext cx="0" cy="0"/>
+          <a:chOff x="0" y="0"/>
+          <a:chExt cx="0" cy="0"/>
+        </a:xfrm>
+      </p:grpSpPr>
+      <p:sp>
+        <p:nvSpPr>
+          <p:cNvPr id="2" name="Slide Image Placeholder 1"/>
+          <p:cNvSpPr>
+            <a:spLocks noGrp="1" noRot="1" noChangeAspect="1"/>
+          </p:cNvSpPr>
+          <p:nvPr>
+            <p:ph type="sldImg"/>
+          </p:nvPr>
+        </p:nvSpPr>
+        <p:spPr/>
+      </p:sp>
+      <p:sp>
+        <p:nvSpPr>
+          <p:cNvPr id="3" name="Notes Placeholder 2"/>
+          <p:cNvSpPr>
+            <a:spLocks noGrp="1"/>
+          </p:cNvSpPr>
+          <p:nvPr>
+            <p:ph type="body" idx="1"/>
+          </p:nvPr>
+        </p:nvSpPr>
+        <p:spPr/>
+        <p:txBody>
+          <a:bodyPr/>
+          <a:lstStyle/>
+          <a:p>
+            <a:r>
+              <a:rPr lang="en-US" dirty="0"/>
+              <a:t>-this is the growth rate for selected countries. China and South Korea started to plateau </a:t>
+            </a:r>
+          </a:p>
+          <a:p>
+            <a:r>
+              <a:rPr lang="en-US" dirty="0"/>
+              <a:t>-Italy still has steep growth </a:t>
+            </a:r>
+          </a:p>
+          <a:p>
+            <a:r>
+              <a:rPr lang="en-US" dirty="0"/>
+              <a:t>-</a:t>
+            </a:r>
+          </a:p>
+        </p:txBody>
+      </p:sp>
+      <p:sp>
+        <p:nvSpPr>
+          <p:cNvPr id="4" name="Slide Number Placeholder 3"/>
+          <p:cNvSpPr>
+            <a:spLocks noGrp="1"/>
+          </p:cNvSpPr>
+          <p:nvPr>
+            <p:ph type="sldNum" sz="quarter" idx="5"/>
+          </p:nvPr>
+        </p:nvSpPr>
+        <p:spPr/>
+        <p:txBody>
+          <a:bodyPr/>
+          <a:lstStyle/>
+          <a:p>
+            <a:fld id="{B725DBE3-AA4C-44C3-BEF0-DBCC4EC701C5}" type="slidenum">
+              <a:rPr lang="en-US" smtClean="0"/>
+              <a:t>7</a:t>
+            </a:fld>
+            <a:endParaRPr lang="en-US"/>
+          </a:p>
+        </p:txBody>
+      </p:sp>
+    </p:spTree>
+    <p:extLst>
+      <p:ext uri="{BB962C8B-B14F-4D97-AF65-F5344CB8AC3E}">
+        <p14:creationId xmlns:p14="http://schemas.microsoft.com/office/powerpoint/2010/main" val="787371663"/>
+      </p:ext>
+    </p:extLst>
+  </p:cSld>
+  <p:clrMapOvr>
+    <a:masterClrMapping/>
+  </p:clrMapOvr>
+</p:notes>
+</file>
+
+<file path=ppt/notesSlides/notesSlide6.xml><?xml version="1.0" encoding="utf-8"?>
+<p:notes xmlns:a="http://schemas.openxmlformats.org/drawingml/2006/main" xmlns:r="http://schemas.openxmlformats.org/officeDocument/2006/relationships" xmlns:p="http://schemas.openxmlformats.org/presentationml/2006/main">
+  <p:cSld>
+    <p:spTree>
+      <p:nvGrpSpPr>
+        <p:cNvPr id="1" name=""/>
+        <p:cNvGrpSpPr/>
+        <p:nvPr/>
+      </p:nvGrpSpPr>
+      <p:grpSpPr>
+        <a:xfrm>
+          <a:off x="0" y="0"/>
+          <a:ext cx="0" cy="0"/>
+          <a:chOff x="0" y="0"/>
+          <a:chExt cx="0" cy="0"/>
+        </a:xfrm>
+      </p:grpSpPr>
+      <p:sp>
+        <p:nvSpPr>
+          <p:cNvPr id="2" name="Slide Image Placeholder 1"/>
+          <p:cNvSpPr>
+            <a:spLocks noGrp="1" noRot="1" noChangeAspect="1"/>
+          </p:cNvSpPr>
+          <p:nvPr>
+            <p:ph type="sldImg"/>
+          </p:nvPr>
+        </p:nvSpPr>
+        <p:spPr/>
+      </p:sp>
+      <p:sp>
+        <p:nvSpPr>
+          <p:cNvPr id="3" name="Notes Placeholder 2"/>
+          <p:cNvSpPr>
+            <a:spLocks noGrp="1"/>
+          </p:cNvSpPr>
+          <p:nvPr>
+            <p:ph type="body" idx="1"/>
+          </p:nvPr>
+        </p:nvSpPr>
+        <p:spPr/>
+        <p:txBody>
+          <a:bodyPr/>
+          <a:lstStyle/>
+          <a:p>
+            <a:r>
+              <a:rPr lang="en-US" dirty="0"/>
+              <a:t>Comparison of number of hospital bed in selected countries</a:t>
+            </a:r>
+          </a:p>
+        </p:txBody>
+      </p:sp>
+      <p:sp>
+        <p:nvSpPr>
+          <p:cNvPr id="4" name="Slide Number Placeholder 3"/>
+          <p:cNvSpPr>
+            <a:spLocks noGrp="1"/>
+          </p:cNvSpPr>
+          <p:nvPr>
+            <p:ph type="sldNum" sz="quarter" idx="5"/>
+          </p:nvPr>
+        </p:nvSpPr>
+        <p:spPr/>
+        <p:txBody>
+          <a:bodyPr/>
+          <a:lstStyle/>
+          <a:p>
+            <a:fld id="{B725DBE3-AA4C-44C3-BEF0-DBCC4EC701C5}" type="slidenum">
+              <a:rPr lang="en-US" smtClean="0"/>
+              <a:t>8</a:t>
+            </a:fld>
+            <a:endParaRPr lang="en-US"/>
+          </a:p>
+        </p:txBody>
+      </p:sp>
+    </p:spTree>
+    <p:extLst>
+      <p:ext uri="{BB962C8B-B14F-4D97-AF65-F5344CB8AC3E}">
+        <p14:creationId xmlns:p14="http://schemas.microsoft.com/office/powerpoint/2010/main" val="2536366772"/>
+      </p:ext>
+    </p:extLst>
+  </p:cSld>
+  <p:clrMapOvr>
+    <a:masterClrMapping/>
+  </p:clrMapOvr>
+</p:notes>
+</file>
+
+<file path=ppt/notesSlides/notesSlide7.xml><?xml version="1.0" encoding="utf-8"?>
+<p:notes xmlns:a="http://schemas.openxmlformats.org/drawingml/2006/main" xmlns:r="http://schemas.openxmlformats.org/officeDocument/2006/relationships" xmlns:p="http://schemas.openxmlformats.org/presentationml/2006/main">
+  <p:cSld>
+    <p:spTree>
+      <p:nvGrpSpPr>
+        <p:cNvPr id="1" name=""/>
+        <p:cNvGrpSpPr/>
+        <p:nvPr/>
+      </p:nvGrpSpPr>
+      <p:grpSpPr>
+        <a:xfrm>
+          <a:off x="0" y="0"/>
+          <a:ext cx="0" cy="0"/>
+          <a:chOff x="0" y="0"/>
+          <a:chExt cx="0" cy="0"/>
+        </a:xfrm>
+      </p:grpSpPr>
+      <p:sp>
+        <p:nvSpPr>
+          <p:cNvPr id="2" name="Slide Image Placeholder 1"/>
+          <p:cNvSpPr>
+            <a:spLocks noGrp="1" noRot="1" noChangeAspect="1"/>
+          </p:cNvSpPr>
+          <p:nvPr>
+            <p:ph type="sldImg"/>
+          </p:nvPr>
+        </p:nvSpPr>
+        <p:spPr/>
+      </p:sp>
+      <p:sp>
+        <p:nvSpPr>
+          <p:cNvPr id="3" name="Notes Placeholder 2"/>
+          <p:cNvSpPr>
+            <a:spLocks noGrp="1"/>
+          </p:cNvSpPr>
+          <p:nvPr>
+            <p:ph type="body" idx="1"/>
+          </p:nvPr>
+        </p:nvSpPr>
+        <p:spPr/>
+        <p:txBody>
+          <a:bodyPr/>
+          <a:lstStyle/>
+          <a:p>
+            <a:r>
+              <a:rPr lang="en-US" dirty="0"/>
+              <a:t>Add legend</a:t>
+            </a:r>
+          </a:p>
+        </p:txBody>
+      </p:sp>
+      <p:sp>
+        <p:nvSpPr>
+          <p:cNvPr id="4" name="Slide Number Placeholder 3"/>
+          <p:cNvSpPr>
+            <a:spLocks noGrp="1"/>
+          </p:cNvSpPr>
+          <p:nvPr>
+            <p:ph type="sldNum" sz="quarter" idx="5"/>
+          </p:nvPr>
+        </p:nvSpPr>
+        <p:spPr/>
+        <p:txBody>
+          <a:bodyPr/>
+          <a:lstStyle/>
+          <a:p>
+            <a:fld id="{B725DBE3-AA4C-44C3-BEF0-DBCC4EC701C5}" type="slidenum">
+              <a:rPr lang="en-US" smtClean="0"/>
+              <a:t>11</a:t>
+            </a:fld>
+            <a:endParaRPr lang="en-US"/>
+          </a:p>
+        </p:txBody>
+      </p:sp>
+    </p:spTree>
+    <p:extLst>
+      <p:ext uri="{BB962C8B-B14F-4D97-AF65-F5344CB8AC3E}">
+        <p14:creationId xmlns:p14="http://schemas.microsoft.com/office/powerpoint/2010/main" val="1538421920"/>
+      </p:ext>
+    </p:extLst>
+  </p:cSld>
+  <p:clrMapOvr>
+    <a:masterClrMapping/>
+  </p:clrMapOvr>
+</p:notes>
+</file>
+
 <file path=ppt/slideLayouts/slideLayout1.xml><?xml version="1.0" encoding="utf-8"?>
 <p:sldLayout xmlns:a="http://schemas.openxmlformats.org/drawingml/2006/main" xmlns:r="http://schemas.openxmlformats.org/officeDocument/2006/relationships" xmlns:p="http://schemas.openxmlformats.org/presentationml/2006/main" showMasterSp="0" type="title" preserve="1">
   <p:cSld name="Title Slide">
@@ -39038,7 +39709,7 @@
           <a:p>
             <a:fld id="{48A87A34-81AB-432B-8DAE-1953F412C126}" type="datetimeFigureOut">
               <a:rPr lang="en-US" smtClean="0"/>
-              <a:t>3/19/2020</a:t>
+              <a:t>3/18/2020</a:t>
             </a:fld>
             <a:endParaRPr lang="en-US" dirty="0"/>
           </a:p>
@@ -39251,7 +39922,7 @@
           <a:p>
             <a:fld id="{48A87A34-81AB-432B-8DAE-1953F412C126}" type="datetimeFigureOut">
               <a:rPr lang="en-US" smtClean="0"/>
-              <a:t>3/19/2020</a:t>
+              <a:t>3/18/2020</a:t>
             </a:fld>
             <a:endParaRPr lang="en-US" dirty="0"/>
           </a:p>
@@ -39508,7 +40179,7 @@
             <a:fld id="{48A87A34-81AB-432B-8DAE-1953F412C126}" type="datetimeFigureOut">
               <a:rPr lang="en-US" smtClean="0"/>
               <a:pPr/>
-              <a:t>3/19/2020</a:t>
+              <a:t>3/18/2020</a:t>
             </a:fld>
             <a:endParaRPr lang="en-US" dirty="0"/>
           </a:p>
@@ -39687,7 +40358,7 @@
           <a:p>
             <a:fld id="{48A87A34-81AB-432B-8DAE-1953F412C126}" type="datetimeFigureOut">
               <a:rPr lang="en-US" smtClean="0"/>
-              <a:t>3/19/2020</a:t>
+              <a:t>3/18/2020</a:t>
             </a:fld>
             <a:endParaRPr lang="en-US" dirty="0"/>
           </a:p>
@@ -40031,7 +40702,7 @@
             <a:fld id="{48A87A34-81AB-432B-8DAE-1953F412C126}" type="datetimeFigureOut">
               <a:rPr lang="en-US" smtClean="0"/>
               <a:pPr/>
-              <a:t>3/19/2020</a:t>
+              <a:t>3/18/2020</a:t>
             </a:fld>
             <a:endParaRPr lang="en-US" dirty="0"/>
           </a:p>
@@ -40311,7 +40982,7 @@
           <a:p>
             <a:fld id="{48A87A34-81AB-432B-8DAE-1953F412C126}" type="datetimeFigureOut">
               <a:rPr lang="en-US" smtClean="0"/>
-              <a:t>3/19/2020</a:t>
+              <a:t>3/18/2020</a:t>
             </a:fld>
             <a:endParaRPr lang="en-US" dirty="0"/>
           </a:p>
@@ -40690,7 +41361,7 @@
           <a:p>
             <a:fld id="{48A87A34-81AB-432B-8DAE-1953F412C126}" type="datetimeFigureOut">
               <a:rPr lang="en-US" smtClean="0"/>
-              <a:t>3/19/2020</a:t>
+              <a:t>3/18/2020</a:t>
             </a:fld>
             <a:endParaRPr lang="en-US" dirty="0"/>
           </a:p>
@@ -40808,7 +41479,7 @@
           <a:p>
             <a:fld id="{48A87A34-81AB-432B-8DAE-1953F412C126}" type="datetimeFigureOut">
               <a:rPr lang="en-US" smtClean="0"/>
-              <a:t>3/19/2020</a:t>
+              <a:t>3/18/2020</a:t>
             </a:fld>
             <a:endParaRPr lang="en-US" dirty="0"/>
           </a:p>
@@ -40979,7 +41650,7 @@
           <a:p>
             <a:fld id="{48A87A34-81AB-432B-8DAE-1953F412C126}" type="datetimeFigureOut">
               <a:rPr lang="en-US" smtClean="0"/>
-              <a:t>3/19/2020</a:t>
+              <a:t>3/18/2020</a:t>
             </a:fld>
             <a:endParaRPr lang="en-US" dirty="0"/>
           </a:p>
@@ -41333,7 +42004,7 @@
           <a:p>
             <a:fld id="{48A87A34-81AB-432B-8DAE-1953F412C126}" type="datetimeFigureOut">
               <a:rPr lang="en-US" smtClean="0"/>
-              <a:t>3/19/2020</a:t>
+              <a:t>3/18/2020</a:t>
             </a:fld>
             <a:endParaRPr lang="en-US" dirty="0"/>
           </a:p>
@@ -41715,7 +42386,7 @@
           <a:p>
             <a:fld id="{48A87A34-81AB-432B-8DAE-1953F412C126}" type="datetimeFigureOut">
               <a:rPr lang="en-US" smtClean="0"/>
-              <a:t>3/19/2020</a:t>
+              <a:t>3/18/2020</a:t>
             </a:fld>
             <a:endParaRPr lang="en-US" dirty="0"/>
           </a:p>
@@ -42003,7 +42674,7 @@
             <a:fld id="{48A87A34-81AB-432B-8DAE-1953F412C126}" type="datetimeFigureOut">
               <a:rPr lang="en-US" smtClean="0"/>
               <a:pPr/>
-              <a:t>3/19/2020</a:t>
+              <a:t>3/18/2020</a:t>
             </a:fld>
             <a:endParaRPr lang="en-US" dirty="0"/>
           </a:p>
@@ -42557,8 +43228,12 @@
           <a:p>
             <a:pPr algn="ctr"/>
             <a:r>
+              <a:rPr lang="en-US" sz="4400" dirty="0" err="1"/>
+              <a:t>Covid</a:t>
+            </a:r>
+            <a:r>
               <a:rPr lang="en-US" sz="4400" dirty="0"/>
-              <a:t>COVID-19</a:t>
+              <a:t> – 19</a:t>
             </a:r>
           </a:p>
         </p:txBody>
@@ -42791,15 +43466,7 @@
           <a:p>
             <a:r>
               <a:rPr lang="en-US" sz="2400" dirty="0"/>
-              <a:t>Gini </a:t>
-            </a:r>
-            <a:r>
-              <a:rPr lang="en-US" sz="2400" dirty="0" err="1"/>
-              <a:t>Arimbi</a:t>
-            </a:r>
-            <a:r>
-              <a:rPr lang="en-US" sz="2400" dirty="0"/>
-              <a:t> | </a:t>
+              <a:t>Norman Gwinn | </a:t>
             </a:r>
             <a:r>
               <a:rPr lang="en-US" sz="2400" dirty="0" err="1"/>
@@ -42807,7 +43474,7 @@
             </a:r>
             <a:r>
               <a:rPr lang="en-US" sz="2400" dirty="0"/>
-              <a:t> Duke | Norman Gwinn| Michael </a:t>
+              <a:t> Duke | Michael </a:t>
             </a:r>
             <a:r>
               <a:rPr lang="en-US" sz="2400" dirty="0" err="1"/>
@@ -42815,7 +43482,7 @@
             </a:r>
             <a:r>
               <a:rPr lang="en-US" sz="2400" dirty="0"/>
-              <a:t> </a:t>
+              <a:t> | Gini Arimbi</a:t>
             </a:r>
           </a:p>
         </p:txBody>
@@ -43056,6 +43723,36 @@
           </a:graphicData>
         </a:graphic>
       </p:graphicFrame>
+      <p:pic>
+        <p:nvPicPr>
+          <p:cNvPr id="5" name="Picture 4">
+            <a:extLst>
+              <a:ext uri="{FF2B5EF4-FFF2-40B4-BE49-F238E27FC236}">
+                <a16:creationId xmlns:a16="http://schemas.microsoft.com/office/drawing/2014/main" id="{20A19662-4D3C-4CBB-B940-E8FDC2FE2020}"/>
+              </a:ext>
+            </a:extLst>
+          </p:cNvPr>
+          <p:cNvPicPr>
+            <a:picLocks noChangeAspect="1"/>
+          </p:cNvPicPr>
+          <p:nvPr/>
+        </p:nvPicPr>
+        <p:blipFill>
+          <a:blip r:embed="rId7"/>
+          <a:stretch>
+            <a:fillRect/>
+          </a:stretch>
+        </p:blipFill>
+        <p:spPr>
+          <a:xfrm>
+            <a:off x="3750683" y="1724175"/>
+            <a:ext cx="4296037" cy="4266477"/>
+          </a:xfrm>
+          <a:prstGeom prst="rect">
+            <a:avLst/>
+          </a:prstGeom>
+        </p:spPr>
+      </p:pic>
     </p:spTree>
     <p:extLst>
       <p:ext uri="{BB962C8B-B14F-4D97-AF65-F5344CB8AC3E}">
@@ -43102,14 +43799,21 @@
             <p:ph type="title"/>
           </p:nvPr>
         </p:nvSpPr>
-        <p:spPr/>
+        <p:spPr>
+          <a:xfrm>
+            <a:off x="1203960" y="264160"/>
+            <a:ext cx="10058400" cy="838200"/>
+          </a:xfrm>
+        </p:spPr>
         <p:txBody>
-          <a:bodyPr/>
+          <a:bodyPr>
+            <a:normAutofit/>
+          </a:bodyPr>
           <a:lstStyle/>
           <a:p>
             <a:r>
-              <a:rPr lang="en-US" dirty="0"/>
-              <a:t>Output 6: heat map for confirmed cases in us states</a:t>
+              <a:rPr lang="en-US" sz="3600" dirty="0"/>
+              <a:t>Output 6: Heat Map for Confirmed Cases in US States</a:t>
             </a:r>
           </a:p>
         </p:txBody>
@@ -43135,7 +43839,7 @@
           <a:bodyPr/>
           <a:lstStyle/>
           <a:p>
-            <a:endParaRPr lang="en-US"/>
+            <a:endParaRPr lang="en-US" dirty="0"/>
           </a:p>
         </p:txBody>
       </p:sp>
@@ -43163,10 +43867,40 @@
         </p:xfrm>
         <a:graphic>
           <a:graphicData uri="http://schemas.openxmlformats.org/drawingml/2006/diagram">
-            <dgm:relIds xmlns:dgm="http://schemas.openxmlformats.org/drawingml/2006/diagram" xmlns:r="http://schemas.openxmlformats.org/officeDocument/2006/relationships" r:dm="rId2" r:lo="rId3" r:qs="rId4" r:cs="rId5"/>
+            <dgm:relIds xmlns:dgm="http://schemas.openxmlformats.org/drawingml/2006/diagram" xmlns:r="http://schemas.openxmlformats.org/officeDocument/2006/relationships" r:dm="rId3" r:lo="rId4" r:qs="rId5" r:cs="rId6"/>
           </a:graphicData>
         </a:graphic>
       </p:graphicFrame>
+      <p:pic>
+        <p:nvPicPr>
+          <p:cNvPr id="5" name="Picture 4">
+            <a:extLst>
+              <a:ext uri="{FF2B5EF4-FFF2-40B4-BE49-F238E27FC236}">
+                <a16:creationId xmlns:a16="http://schemas.microsoft.com/office/drawing/2014/main" id="{A2FFF454-4D22-48EE-BC64-A187EED98610}"/>
+              </a:ext>
+            </a:extLst>
+          </p:cNvPr>
+          <p:cNvPicPr>
+            <a:picLocks noChangeAspect="1"/>
+          </p:cNvPicPr>
+          <p:nvPr/>
+        </p:nvPicPr>
+        <p:blipFill>
+          <a:blip r:embed="rId8"/>
+          <a:stretch>
+            <a:fillRect/>
+          </a:stretch>
+        </p:blipFill>
+        <p:spPr>
+          <a:xfrm>
+            <a:off x="2479040" y="1102360"/>
+            <a:ext cx="7418879" cy="4682719"/>
+          </a:xfrm>
+          <a:prstGeom prst="rect">
+            <a:avLst/>
+          </a:prstGeom>
+        </p:spPr>
+      </p:pic>
     </p:spTree>
     <p:extLst>
       <p:ext uri="{BB962C8B-B14F-4D97-AF65-F5344CB8AC3E}">
@@ -43213,16 +43947,28 @@
             <p:ph type="title"/>
           </p:nvPr>
         </p:nvSpPr>
-        <p:spPr/>
+        <p:spPr>
+          <a:xfrm>
+            <a:off x="1203960" y="393283"/>
+            <a:ext cx="10058400" cy="886877"/>
+          </a:xfrm>
+        </p:spPr>
         <p:txBody>
           <a:bodyPr>
-            <a:normAutofit/>
+            <a:normAutofit fontScale="90000"/>
           </a:bodyPr>
           <a:lstStyle/>
           <a:p>
             <a:r>
-              <a:rPr lang="en-US" dirty="0"/>
-              <a:t>Output 7: heat map for confirmed cases vs. hospital bed in us</a:t>
+              <a:rPr lang="en-US" sz="3200" dirty="0"/>
+              <a:t>Output 7: Heat Map for Confirmed </a:t>
+            </a:r>
+            <a:br>
+              <a:rPr lang="en-US" sz="3200" dirty="0"/>
+            </a:br>
+            <a:r>
+              <a:rPr lang="en-US" sz="3200" dirty="0"/>
+              <a:t>Cases vs. Hospital Bed in US</a:t>
             </a:r>
           </a:p>
         </p:txBody>
@@ -43280,6 +44026,36 @@
           </a:graphicData>
         </a:graphic>
       </p:graphicFrame>
+      <p:pic>
+        <p:nvPicPr>
+          <p:cNvPr id="5" name="Picture 4">
+            <a:extLst>
+              <a:ext uri="{FF2B5EF4-FFF2-40B4-BE49-F238E27FC236}">
+                <a16:creationId xmlns:a16="http://schemas.microsoft.com/office/drawing/2014/main" id="{7DDAC889-A0B7-4605-BD61-61FA361F6C73}"/>
+              </a:ext>
+            </a:extLst>
+          </p:cNvPr>
+          <p:cNvPicPr>
+            <a:picLocks noChangeAspect="1"/>
+          </p:cNvPicPr>
+          <p:nvPr/>
+        </p:nvPicPr>
+        <p:blipFill>
+          <a:blip r:embed="rId7"/>
+          <a:stretch>
+            <a:fillRect/>
+          </a:stretch>
+        </p:blipFill>
+        <p:spPr>
+          <a:xfrm>
+            <a:off x="2258318" y="1437640"/>
+            <a:ext cx="7411598" cy="4521200"/>
+          </a:xfrm>
+          <a:prstGeom prst="rect">
+            <a:avLst/>
+          </a:prstGeom>
+        </p:spPr>
+      </p:pic>
     </p:spTree>
     <p:extLst>
       <p:ext uri="{BB962C8B-B14F-4D97-AF65-F5344CB8AC3E}">
@@ -43326,7 +44102,12 @@
             <p:ph type="title"/>
           </p:nvPr>
         </p:nvSpPr>
-        <p:spPr/>
+        <p:spPr>
+          <a:xfrm>
+            <a:off x="1270000" y="337403"/>
+            <a:ext cx="10058400" cy="1450757"/>
+          </a:xfrm>
+        </p:spPr>
         <p:txBody>
           <a:bodyPr>
             <a:normAutofit/>
@@ -43337,31 +44118,6 @@
               <a:rPr lang="en-US" dirty="0"/>
               <a:t>Output 8: statistics for population density vs. number of cases</a:t>
             </a:r>
-          </a:p>
-        </p:txBody>
-      </p:sp>
-      <p:sp>
-        <p:nvSpPr>
-          <p:cNvPr id="3" name="Content Placeholder 2">
-            <a:extLst>
-              <a:ext uri="{FF2B5EF4-FFF2-40B4-BE49-F238E27FC236}">
-                <a16:creationId xmlns:a16="http://schemas.microsoft.com/office/drawing/2014/main" id="{BE58A9C6-FF20-4EDE-88F9-EC25C21BCCEE}"/>
-              </a:ext>
-            </a:extLst>
-          </p:cNvPr>
-          <p:cNvSpPr>
-            <a:spLocks noGrp="1"/>
-          </p:cNvSpPr>
-          <p:nvPr>
-            <p:ph idx="1"/>
-          </p:nvPr>
-        </p:nvSpPr>
-        <p:spPr/>
-        <p:txBody>
-          <a:bodyPr/>
-          <a:lstStyle/>
-          <a:p>
-            <a:endParaRPr lang="en-US"/>
           </a:p>
         </p:txBody>
       </p:sp>
@@ -43393,6 +44149,66 @@
           </a:graphicData>
         </a:graphic>
       </p:graphicFrame>
+      <p:pic>
+        <p:nvPicPr>
+          <p:cNvPr id="5" name="Picture 4">
+            <a:extLst>
+              <a:ext uri="{FF2B5EF4-FFF2-40B4-BE49-F238E27FC236}">
+                <a16:creationId xmlns:a16="http://schemas.microsoft.com/office/drawing/2014/main" id="{2A52D86E-E05B-41C7-A911-A1B8CB4BED7A}"/>
+              </a:ext>
+            </a:extLst>
+          </p:cNvPr>
+          <p:cNvPicPr>
+            <a:picLocks noChangeAspect="1"/>
+          </p:cNvPicPr>
+          <p:nvPr/>
+        </p:nvPicPr>
+        <p:blipFill>
+          <a:blip r:embed="rId7"/>
+          <a:stretch>
+            <a:fillRect/>
+          </a:stretch>
+        </p:blipFill>
+        <p:spPr>
+          <a:xfrm>
+            <a:off x="287435" y="2194610"/>
+            <a:ext cx="5686425" cy="3325608"/>
+          </a:xfrm>
+          <a:prstGeom prst="rect">
+            <a:avLst/>
+          </a:prstGeom>
+        </p:spPr>
+      </p:pic>
+      <p:pic>
+        <p:nvPicPr>
+          <p:cNvPr id="6" name="Picture 5">
+            <a:extLst>
+              <a:ext uri="{FF2B5EF4-FFF2-40B4-BE49-F238E27FC236}">
+                <a16:creationId xmlns:a16="http://schemas.microsoft.com/office/drawing/2014/main" id="{693F0FC2-20AC-4352-9121-0FD4E2928EB1}"/>
+              </a:ext>
+            </a:extLst>
+          </p:cNvPr>
+          <p:cNvPicPr>
+            <a:picLocks noChangeAspect="1"/>
+          </p:cNvPicPr>
+          <p:nvPr/>
+        </p:nvPicPr>
+        <p:blipFill>
+          <a:blip r:embed="rId8"/>
+          <a:stretch>
+            <a:fillRect/>
+          </a:stretch>
+        </p:blipFill>
+        <p:spPr>
+          <a:xfrm>
+            <a:off x="6096000" y="2172498"/>
+            <a:ext cx="5408433" cy="3266440"/>
+          </a:xfrm>
+          <a:prstGeom prst="rect">
+            <a:avLst/>
+          </a:prstGeom>
+        </p:spPr>
+      </p:pic>
     </p:spTree>
     <p:extLst>
       <p:ext uri="{BB962C8B-B14F-4D97-AF65-F5344CB8AC3E}">
@@ -44750,7 +45566,7 @@
           <a:p>
             <a:r>
               <a:rPr lang="en-US" sz="2400" dirty="0"/>
-              <a:t>Different health care capabilities</a:t>
+              <a:t>Different health care facility</a:t>
             </a:r>
           </a:p>
           <a:p>
@@ -44759,7 +45575,7 @@
           <a:p>
             <a:r>
               <a:rPr lang="en-US" sz="2400" dirty="0"/>
-              <a:t>Preparedness for US states</a:t>
+              <a:t>To check the health care preparedness for US states</a:t>
             </a:r>
           </a:p>
         </p:txBody>
@@ -44788,7 +45604,7 @@
         </p:xfrm>
         <a:graphic>
           <a:graphicData uri="http://schemas.openxmlformats.org/drawingml/2006/diagram">
-            <dgm:relIds xmlns:dgm="http://schemas.openxmlformats.org/drawingml/2006/diagram" xmlns:r="http://schemas.openxmlformats.org/officeDocument/2006/relationships" r:dm="rId2" r:lo="rId3" r:qs="rId4" r:cs="rId5"/>
+            <dgm:relIds xmlns:dgm="http://schemas.openxmlformats.org/drawingml/2006/diagram" xmlns:r="http://schemas.openxmlformats.org/officeDocument/2006/relationships" r:dm="rId3" r:lo="rId4" r:qs="rId5" r:cs="rId6"/>
           </a:graphicData>
         </a:graphic>
       </p:graphicFrame>
@@ -45068,7 +45884,7 @@
         </p:xfrm>
         <a:graphic>
           <a:graphicData uri="http://schemas.openxmlformats.org/drawingml/2006/diagram">
-            <dgm:relIds xmlns:dgm="http://schemas.openxmlformats.org/drawingml/2006/diagram" xmlns:r="http://schemas.openxmlformats.org/officeDocument/2006/relationships" r:dm="rId2" r:lo="rId3" r:qs="rId4" r:cs="rId5"/>
+            <dgm:relIds xmlns:dgm="http://schemas.openxmlformats.org/drawingml/2006/diagram" xmlns:r="http://schemas.openxmlformats.org/officeDocument/2006/relationships" r:dm="rId3" r:lo="rId4" r:qs="rId5" r:cs="rId6"/>
           </a:graphicData>
         </a:graphic>
       </p:graphicFrame>
@@ -45161,7 +45977,7 @@
         </p:xfrm>
         <a:graphic>
           <a:graphicData uri="http://schemas.openxmlformats.org/drawingml/2006/diagram">
-            <dgm:relIds xmlns:dgm="http://schemas.openxmlformats.org/drawingml/2006/diagram" xmlns:r="http://schemas.openxmlformats.org/officeDocument/2006/relationships" r:dm="rId2" r:lo="rId3" r:qs="rId4" r:cs="rId5"/>
+            <dgm:relIds xmlns:dgm="http://schemas.openxmlformats.org/drawingml/2006/diagram" xmlns:r="http://schemas.openxmlformats.org/officeDocument/2006/relationships" r:dm="rId3" r:lo="rId4" r:qs="rId5" r:cs="rId6"/>
           </a:graphicData>
         </a:graphic>
       </p:graphicFrame>
@@ -45180,7 +45996,7 @@
           <p:nvPr/>
         </p:nvPicPr>
         <p:blipFill>
-          <a:blip r:embed="rId7"/>
+          <a:blip r:embed="rId8"/>
           <a:stretch>
             <a:fillRect/>
           </a:stretch>
@@ -45241,7 +46057,12 @@
             <p:ph type="title"/>
           </p:nvPr>
         </p:nvSpPr>
-        <p:spPr/>
+        <p:spPr>
+          <a:xfrm>
+            <a:off x="1066800" y="-55626"/>
+            <a:ext cx="10058400" cy="1450757"/>
+          </a:xfrm>
+        </p:spPr>
         <p:txBody>
           <a:bodyPr>
             <a:normAutofit/>
@@ -45250,40 +46071,41 @@
           <a:p>
             <a:r>
               <a:rPr lang="en-US" dirty="0"/>
-              <a:t>Output 1: confirmed cases growth rate for selected countries </a:t>
+              <a:t>Output 1</a:t>
             </a:r>
           </a:p>
         </p:txBody>
       </p:sp>
-      <p:pic>
-        <p:nvPicPr>
-          <p:cNvPr id="6" name="Content Placeholder 5" descr="A close up of a map&#10;&#10;Description automatically generated">
+      <p:sp>
+        <p:nvSpPr>
+          <p:cNvPr id="3" name="Content Placeholder 2">
             <a:extLst>
               <a:ext uri="{FF2B5EF4-FFF2-40B4-BE49-F238E27FC236}">
-                <a16:creationId xmlns:a16="http://schemas.microsoft.com/office/drawing/2014/main" id="{2B903A7F-2A0F-44D5-8EDC-E8E1947104D6}"/>
+                <a16:creationId xmlns:a16="http://schemas.microsoft.com/office/drawing/2014/main" id="{2C027839-FBED-4373-9E00-67E0FB6AB1B4}"/>
               </a:ext>
             </a:extLst>
           </p:cNvPr>
-          <p:cNvPicPr>
-            <a:picLocks noGrp="1" noChangeAspect="1"/>
-          </p:cNvPicPr>
+          <p:cNvSpPr>
+            <a:spLocks noGrp="1"/>
+          </p:cNvSpPr>
           <p:nvPr>
             <p:ph idx="1"/>
           </p:nvPr>
-        </p:nvPicPr>
-        <p:blipFill>
-          <a:blip r:embed="rId2"/>
-          <a:stretch>
-            <a:fillRect/>
-          </a:stretch>
-        </p:blipFill>
+        </p:nvSpPr>
         <p:spPr>
           <a:xfrm>
-            <a:off x="3010260" y="1920518"/>
-            <a:ext cx="6707188" cy="4024313"/>
+            <a:off x="685800" y="1942499"/>
+            <a:ext cx="10820400" cy="4024125"/>
           </a:xfrm>
         </p:spPr>
-      </p:pic>
+        <p:txBody>
+          <a:bodyPr/>
+          <a:lstStyle/>
+          <a:p>
+            <a:endParaRPr lang="en-US" dirty="0"/>
+          </a:p>
+        </p:txBody>
+      </p:sp>
       <p:graphicFrame>
         <p:nvGraphicFramePr>
           <p:cNvPr id="4" name="Diagram 3">
@@ -45312,6 +46134,36 @@
           </a:graphicData>
         </a:graphic>
       </p:graphicFrame>
+      <p:pic>
+        <p:nvPicPr>
+          <p:cNvPr id="5" name="Picture 4">
+            <a:extLst>
+              <a:ext uri="{FF2B5EF4-FFF2-40B4-BE49-F238E27FC236}">
+                <a16:creationId xmlns:a16="http://schemas.microsoft.com/office/drawing/2014/main" id="{6B5EC4C1-117F-4468-97F8-A8198F80A4DC}"/>
+              </a:ext>
+            </a:extLst>
+          </p:cNvPr>
+          <p:cNvPicPr>
+            <a:picLocks noChangeAspect="1"/>
+          </p:cNvPicPr>
+          <p:nvPr/>
+        </p:nvPicPr>
+        <p:blipFill>
+          <a:blip r:embed="rId8"/>
+          <a:stretch>
+            <a:fillRect/>
+          </a:stretch>
+        </p:blipFill>
+        <p:spPr>
+          <a:xfrm>
+            <a:off x="2407921" y="1267031"/>
+            <a:ext cx="7521826" cy="4699593"/>
+          </a:xfrm>
+          <a:prstGeom prst="rect">
+            <a:avLst/>
+          </a:prstGeom>
+        </p:spPr>
+      </p:pic>
     </p:spTree>
     <p:extLst>
       <p:ext uri="{BB962C8B-B14F-4D97-AF65-F5344CB8AC3E}">
@@ -45358,7 +46210,12 @@
             <p:ph type="title"/>
           </p:nvPr>
         </p:nvSpPr>
-        <p:spPr/>
+        <p:spPr>
+          <a:xfrm>
+            <a:off x="1031240" y="-511307"/>
+            <a:ext cx="10058400" cy="1450757"/>
+          </a:xfrm>
+        </p:spPr>
         <p:txBody>
           <a:bodyPr>
             <a:normAutofit/>
@@ -45367,40 +46224,36 @@
           <a:p>
             <a:r>
               <a:rPr lang="en-US" dirty="0"/>
-              <a:t>Output 2: confirmed cases growth rate confirmed cases global</a:t>
+              <a:t>Output 2</a:t>
             </a:r>
           </a:p>
         </p:txBody>
       </p:sp>
-      <p:pic>
-        <p:nvPicPr>
-          <p:cNvPr id="6" name="Content Placeholder 5" descr="A close up of a map&#10;&#10;Description automatically generated">
+      <p:sp>
+        <p:nvSpPr>
+          <p:cNvPr id="3" name="Content Placeholder 2">
             <a:extLst>
               <a:ext uri="{FF2B5EF4-FFF2-40B4-BE49-F238E27FC236}">
-                <a16:creationId xmlns:a16="http://schemas.microsoft.com/office/drawing/2014/main" id="{5C6D6FD1-796C-4E28-91E0-5E4AED27F71A}"/>
+                <a16:creationId xmlns:a16="http://schemas.microsoft.com/office/drawing/2014/main" id="{175383A1-B82F-4069-AB75-4CFF92727E3F}"/>
               </a:ext>
             </a:extLst>
           </p:cNvPr>
-          <p:cNvPicPr>
-            <a:picLocks noGrp="1" noChangeAspect="1"/>
-          </p:cNvPicPr>
+          <p:cNvSpPr>
+            <a:spLocks noGrp="1"/>
+          </p:cNvSpPr>
           <p:nvPr>
             <p:ph idx="1"/>
           </p:nvPr>
-        </p:nvPicPr>
-        <p:blipFill>
-          <a:blip r:embed="rId2"/>
-          <a:stretch>
-            <a:fillRect/>
-          </a:stretch>
-        </p:blipFill>
-        <p:spPr>
-          <a:xfrm>
-            <a:off x="2773892" y="1846263"/>
-            <a:ext cx="6704542" cy="4022725"/>
-          </a:xfrm>
-        </p:spPr>
-      </p:pic>
+        </p:nvSpPr>
+        <p:spPr/>
+        <p:txBody>
+          <a:bodyPr/>
+          <a:lstStyle/>
+          <a:p>
+            <a:endParaRPr lang="en-US"/>
+          </a:p>
+        </p:txBody>
+      </p:sp>
       <p:graphicFrame>
         <p:nvGraphicFramePr>
           <p:cNvPr id="4" name="Diagram 3">
@@ -45429,6 +46282,36 @@
           </a:graphicData>
         </a:graphic>
       </p:graphicFrame>
+      <p:pic>
+        <p:nvPicPr>
+          <p:cNvPr id="5" name="Picture 4">
+            <a:extLst>
+              <a:ext uri="{FF2B5EF4-FFF2-40B4-BE49-F238E27FC236}">
+                <a16:creationId xmlns:a16="http://schemas.microsoft.com/office/drawing/2014/main" id="{5268EEC4-AF47-49AC-AEA8-9230BA9B675A}"/>
+              </a:ext>
+            </a:extLst>
+          </p:cNvPr>
+          <p:cNvPicPr>
+            <a:picLocks noChangeAspect="1"/>
+          </p:cNvPicPr>
+          <p:nvPr/>
+        </p:nvPicPr>
+        <p:blipFill>
+          <a:blip r:embed="rId8"/>
+          <a:stretch>
+            <a:fillRect/>
+          </a:stretch>
+        </p:blipFill>
+        <p:spPr>
+          <a:xfrm>
+            <a:off x="2094357" y="988906"/>
+            <a:ext cx="7850886" cy="4985745"/>
+          </a:xfrm>
+          <a:prstGeom prst="rect">
+            <a:avLst/>
+          </a:prstGeom>
+        </p:spPr>
+      </p:pic>
     </p:spTree>
     <p:extLst>
       <p:ext uri="{BB962C8B-B14F-4D97-AF65-F5344CB8AC3E}">
@@ -45538,7 +46421,7 @@
         </p:xfrm>
         <a:graphic>
           <a:graphicData uri="http://schemas.openxmlformats.org/drawingml/2006/diagram">
-            <dgm:relIds xmlns:dgm="http://schemas.openxmlformats.org/drawingml/2006/diagram" xmlns:r="http://schemas.openxmlformats.org/officeDocument/2006/relationships" r:dm="rId2" r:lo="rId3" r:qs="rId4" r:cs="rId5"/>
+            <dgm:relIds xmlns:dgm="http://schemas.openxmlformats.org/drawingml/2006/diagram" xmlns:r="http://schemas.openxmlformats.org/officeDocument/2006/relationships" r:dm="rId3" r:lo="rId4" r:qs="rId5" r:cs="rId6"/>
           </a:graphicData>
         </a:graphic>
       </p:graphicFrame>
@@ -45557,7 +46440,7 @@
           <p:nvPr/>
         </p:nvPicPr>
         <p:blipFill>
-          <a:blip r:embed="rId7"/>
+          <a:blip r:embed="rId8"/>
           <a:stretch>
             <a:fillRect/>
           </a:stretch>
